--- a/METODOLOGIA/Diagrama_Metodología_V1.pptx
+++ b/METODOLOGIA/Diagrama_Metodología_V1.pptx
@@ -261,7 +261,7 @@
           <a:p>
             <a:fld id="{FF912C78-D473-4367-903E-99EF0473AB25}" type="datetimeFigureOut">
               <a:rPr lang="es-PE" smtClean="0"/>
-              <a:t>14/05/2025</a:t>
+              <a:t>18/05/2025</a:t>
             </a:fld>
             <a:endParaRPr lang="es-PE"/>
           </a:p>
@@ -461,7 +461,7 @@
           <a:p>
             <a:fld id="{FF912C78-D473-4367-903E-99EF0473AB25}" type="datetimeFigureOut">
               <a:rPr lang="es-PE" smtClean="0"/>
-              <a:t>14/05/2025</a:t>
+              <a:t>18/05/2025</a:t>
             </a:fld>
             <a:endParaRPr lang="es-PE"/>
           </a:p>
@@ -671,7 +671,7 @@
           <a:p>
             <a:fld id="{FF912C78-D473-4367-903E-99EF0473AB25}" type="datetimeFigureOut">
               <a:rPr lang="es-PE" smtClean="0"/>
-              <a:t>14/05/2025</a:t>
+              <a:t>18/05/2025</a:t>
             </a:fld>
             <a:endParaRPr lang="es-PE"/>
           </a:p>
@@ -871,7 +871,7 @@
           <a:p>
             <a:fld id="{FF912C78-D473-4367-903E-99EF0473AB25}" type="datetimeFigureOut">
               <a:rPr lang="es-PE" smtClean="0"/>
-              <a:t>14/05/2025</a:t>
+              <a:t>18/05/2025</a:t>
             </a:fld>
             <a:endParaRPr lang="es-PE"/>
           </a:p>
@@ -1147,7 +1147,7 @@
           <a:p>
             <a:fld id="{FF912C78-D473-4367-903E-99EF0473AB25}" type="datetimeFigureOut">
               <a:rPr lang="es-PE" smtClean="0"/>
-              <a:t>14/05/2025</a:t>
+              <a:t>18/05/2025</a:t>
             </a:fld>
             <a:endParaRPr lang="es-PE"/>
           </a:p>
@@ -1415,7 +1415,7 @@
           <a:p>
             <a:fld id="{FF912C78-D473-4367-903E-99EF0473AB25}" type="datetimeFigureOut">
               <a:rPr lang="es-PE" smtClean="0"/>
-              <a:t>14/05/2025</a:t>
+              <a:t>18/05/2025</a:t>
             </a:fld>
             <a:endParaRPr lang="es-PE"/>
           </a:p>
@@ -1830,7 +1830,7 @@
           <a:p>
             <a:fld id="{FF912C78-D473-4367-903E-99EF0473AB25}" type="datetimeFigureOut">
               <a:rPr lang="es-PE" smtClean="0"/>
-              <a:t>14/05/2025</a:t>
+              <a:t>18/05/2025</a:t>
             </a:fld>
             <a:endParaRPr lang="es-PE"/>
           </a:p>
@@ -1972,7 +1972,7 @@
           <a:p>
             <a:fld id="{FF912C78-D473-4367-903E-99EF0473AB25}" type="datetimeFigureOut">
               <a:rPr lang="es-PE" smtClean="0"/>
-              <a:t>14/05/2025</a:t>
+              <a:t>18/05/2025</a:t>
             </a:fld>
             <a:endParaRPr lang="es-PE"/>
           </a:p>
@@ -2085,7 +2085,7 @@
           <a:p>
             <a:fld id="{FF912C78-D473-4367-903E-99EF0473AB25}" type="datetimeFigureOut">
               <a:rPr lang="es-PE" smtClean="0"/>
-              <a:t>14/05/2025</a:t>
+              <a:t>18/05/2025</a:t>
             </a:fld>
             <a:endParaRPr lang="es-PE"/>
           </a:p>
@@ -2398,7 +2398,7 @@
           <a:p>
             <a:fld id="{FF912C78-D473-4367-903E-99EF0473AB25}" type="datetimeFigureOut">
               <a:rPr lang="es-PE" smtClean="0"/>
-              <a:t>14/05/2025</a:t>
+              <a:t>18/05/2025</a:t>
             </a:fld>
             <a:endParaRPr lang="es-PE"/>
           </a:p>
@@ -2687,7 +2687,7 @@
           <a:p>
             <a:fld id="{FF912C78-D473-4367-903E-99EF0473AB25}" type="datetimeFigureOut">
               <a:rPr lang="es-PE" smtClean="0"/>
-              <a:t>14/05/2025</a:t>
+              <a:t>18/05/2025</a:t>
             </a:fld>
             <a:endParaRPr lang="es-PE"/>
           </a:p>
@@ -2930,7 +2930,7 @@
           <a:p>
             <a:fld id="{FF912C78-D473-4367-903E-99EF0473AB25}" type="datetimeFigureOut">
               <a:rPr lang="es-PE" smtClean="0"/>
-              <a:t>14/05/2025</a:t>
+              <a:t>18/05/2025</a:t>
             </a:fld>
             <a:endParaRPr lang="es-PE"/>
           </a:p>
@@ -3756,7 +3756,7 @@
         <p:spPr>
           <a:xfrm>
             <a:off x="7289131" y="746741"/>
-            <a:ext cx="2217821" cy="738664"/>
+            <a:ext cx="2217821" cy="523220"/>
           </a:xfrm>
           <a:prstGeom prst="rect">
             <a:avLst/>
@@ -3786,7 +3786,7 @@
                 <a:latin typeface="Arial" panose="020B0604020202020204" pitchFamily="34" charset="0"/>
                 <a:cs typeface="Arial" panose="020B0604020202020204" pitchFamily="34" charset="0"/>
               </a:rPr>
-              <a:t>LIMPIEZA Y PREPROCESAMIENTO DE LAS RESEÑAS</a:t>
+              <a:t>PROCESAMIENTO DE LAS RESEÑAS</a:t>
             </a:r>
             <a:endParaRPr lang="es-PE" sz="1400" b="1" dirty="0">
               <a:latin typeface="Arial" panose="020B0604020202020204" pitchFamily="34" charset="0"/>
@@ -3809,8 +3809,8 @@
         </p:nvSpPr>
         <p:spPr>
           <a:xfrm>
-            <a:off x="1203158" y="4575372"/>
-            <a:ext cx="2217821" cy="369332"/>
+            <a:off x="1096024" y="4525802"/>
+            <a:ext cx="2432088" cy="430887"/>
           </a:xfrm>
           <a:prstGeom prst="rect">
             <a:avLst/>
@@ -3825,11 +3825,97 @@
           <a:p>
             <a:pPr algn="ctr"/>
             <a:r>
+              <a:rPr lang="es-MX" sz="1100" b="1" dirty="0">
+                <a:latin typeface="Arial" panose="020B0604020202020204" pitchFamily="34" charset="0"/>
+                <a:cs typeface="Arial" panose="020B0604020202020204" pitchFamily="34" charset="0"/>
+              </a:rPr>
+              <a:t>5. IMPLEMENTACIÓN DEL MODELO</a:t>
+            </a:r>
+            <a:endParaRPr lang="es-PE" sz="1100" b="1" dirty="0">
+              <a:latin typeface="Arial" panose="020B0604020202020204" pitchFamily="34" charset="0"/>
+              <a:cs typeface="Arial" panose="020B0604020202020204" pitchFamily="34" charset="0"/>
+            </a:endParaRPr>
+          </a:p>
+        </p:txBody>
+      </p:sp>
+      <p:sp>
+        <p:nvSpPr>
+          <p:cNvPr id="18" name="CuadroTexto 17">
+            <a:extLst>
+              <a:ext uri="{FF2B5EF4-FFF2-40B4-BE49-F238E27FC236}">
+                <a16:creationId xmlns:a16="http://schemas.microsoft.com/office/drawing/2014/main" id="{7FF208EA-4482-441C-8199-224BEB8CB387}"/>
+              </a:ext>
+            </a:extLst>
+          </p:cNvPr>
+          <p:cNvSpPr txBox="1"/>
+          <p:nvPr/>
+        </p:nvSpPr>
+        <p:spPr>
+          <a:xfrm>
+            <a:off x="4205786" y="4609078"/>
+            <a:ext cx="2329126" cy="276999"/>
+          </a:xfrm>
+          <a:prstGeom prst="rect">
+            <a:avLst/>
+          </a:prstGeom>
+          <a:noFill/>
+        </p:spPr>
+        <p:txBody>
+          <a:bodyPr wrap="square" rtlCol="0">
+            <a:spAutoFit/>
+          </a:bodyPr>
+          <a:lstStyle/>
+          <a:p>
+            <a:pPr algn="ctr"/>
+            <a:r>
+              <a:rPr lang="es-MX" sz="1200" b="1" dirty="0">
+                <a:latin typeface="Arial" panose="020B0604020202020204" pitchFamily="34" charset="0"/>
+                <a:cs typeface="Arial" panose="020B0604020202020204" pitchFamily="34" charset="0"/>
+              </a:rPr>
+              <a:t>6. EVALUACIÓN Y ANÁLISIS</a:t>
+            </a:r>
+            <a:endParaRPr lang="es-PE" sz="1200" b="1" dirty="0">
+              <a:latin typeface="Arial" panose="020B0604020202020204" pitchFamily="34" charset="0"/>
+              <a:cs typeface="Arial" panose="020B0604020202020204" pitchFamily="34" charset="0"/>
+            </a:endParaRPr>
+          </a:p>
+        </p:txBody>
+      </p:sp>
+      <p:sp>
+        <p:nvSpPr>
+          <p:cNvPr id="19" name="CuadroTexto 18">
+            <a:extLst>
+              <a:ext uri="{FF2B5EF4-FFF2-40B4-BE49-F238E27FC236}">
+                <a16:creationId xmlns:a16="http://schemas.microsoft.com/office/drawing/2014/main" id="{F2F5D71B-E02B-437E-B46F-545553A5598C}"/>
+              </a:ext>
+            </a:extLst>
+          </p:cNvPr>
+          <p:cNvSpPr txBox="1"/>
+          <p:nvPr/>
+        </p:nvSpPr>
+        <p:spPr>
+          <a:xfrm>
+            <a:off x="7251032" y="4575371"/>
+            <a:ext cx="2217821" cy="369332"/>
+          </a:xfrm>
+          <a:prstGeom prst="rect">
+            <a:avLst/>
+          </a:prstGeom>
+          <a:noFill/>
+        </p:spPr>
+        <p:txBody>
+          <a:bodyPr wrap="square" rtlCol="0">
+            <a:spAutoFit/>
+          </a:bodyPr>
+          <a:lstStyle/>
+          <a:p>
+            <a:pPr algn="ctr"/>
+            <a:r>
               <a:rPr lang="es-MX" b="1" dirty="0">
                 <a:latin typeface="Arial" panose="020B0604020202020204" pitchFamily="34" charset="0"/>
                 <a:cs typeface="Arial" panose="020B0604020202020204" pitchFamily="34" charset="0"/>
               </a:rPr>
-              <a:t>4. MODELADO</a:t>
+              <a:t>7. VISUALIZACIÓN</a:t>
             </a:r>
             <a:endParaRPr lang="es-PE" b="1" dirty="0">
               <a:latin typeface="Arial" panose="020B0604020202020204" pitchFamily="34" charset="0"/>
@@ -3840,10 +3926,10 @@
       </p:sp>
       <p:sp>
         <p:nvSpPr>
-          <p:cNvPr id="18" name="CuadroTexto 17">
-            <a:extLst>
-              <a:ext uri="{FF2B5EF4-FFF2-40B4-BE49-F238E27FC236}">
-                <a16:creationId xmlns:a16="http://schemas.microsoft.com/office/drawing/2014/main" id="{7FF208EA-4482-441C-8199-224BEB8CB387}"/>
+          <p:cNvPr id="20" name="CuadroTexto 19">
+            <a:extLst>
+              <a:ext uri="{FF2B5EF4-FFF2-40B4-BE49-F238E27FC236}">
+                <a16:creationId xmlns:a16="http://schemas.microsoft.com/office/drawing/2014/main" id="{25AA96DE-E716-429D-9051-AFCBC16F1679}"/>
               </a:ext>
             </a:extLst>
           </p:cNvPr>
@@ -3852,8 +3938,8 @@
         </p:nvSpPr>
         <p:spPr>
           <a:xfrm>
-            <a:off x="4205786" y="4609078"/>
-            <a:ext cx="2217821" cy="369332"/>
+            <a:off x="1852114" y="3274099"/>
+            <a:ext cx="7232253" cy="276999"/>
           </a:xfrm>
           <a:prstGeom prst="rect">
             <a:avLst/>
@@ -3868,97 +3954,11 @@
           <a:p>
             <a:pPr algn="ctr"/>
             <a:r>
-              <a:rPr lang="es-MX" b="1" dirty="0">
-                <a:latin typeface="Arial" panose="020B0604020202020204" pitchFamily="34" charset="0"/>
-                <a:cs typeface="Arial" panose="020B0604020202020204" pitchFamily="34" charset="0"/>
-              </a:rPr>
-              <a:t>5. EVALUACIÓN</a:t>
-            </a:r>
-            <a:endParaRPr lang="es-PE" b="1" dirty="0">
-              <a:latin typeface="Arial" panose="020B0604020202020204" pitchFamily="34" charset="0"/>
-              <a:cs typeface="Arial" panose="020B0604020202020204" pitchFamily="34" charset="0"/>
-            </a:endParaRPr>
-          </a:p>
-        </p:txBody>
-      </p:sp>
-      <p:sp>
-        <p:nvSpPr>
-          <p:cNvPr id="19" name="CuadroTexto 18">
-            <a:extLst>
-              <a:ext uri="{FF2B5EF4-FFF2-40B4-BE49-F238E27FC236}">
-                <a16:creationId xmlns:a16="http://schemas.microsoft.com/office/drawing/2014/main" id="{F2F5D71B-E02B-437E-B46F-545553A5598C}"/>
-              </a:ext>
-            </a:extLst>
-          </p:cNvPr>
-          <p:cNvSpPr txBox="1"/>
-          <p:nvPr/>
-        </p:nvSpPr>
-        <p:spPr>
-          <a:xfrm>
-            <a:off x="7251032" y="4575371"/>
-            <a:ext cx="2217821" cy="369332"/>
-          </a:xfrm>
-          <a:prstGeom prst="rect">
-            <a:avLst/>
-          </a:prstGeom>
-          <a:noFill/>
-        </p:spPr>
-        <p:txBody>
-          <a:bodyPr wrap="square" rtlCol="0">
-            <a:spAutoFit/>
-          </a:bodyPr>
-          <a:lstStyle/>
-          <a:p>
-            <a:pPr algn="ctr"/>
-            <a:r>
-              <a:rPr lang="es-MX" b="1" dirty="0">
-                <a:latin typeface="Arial" panose="020B0604020202020204" pitchFamily="34" charset="0"/>
-                <a:cs typeface="Arial" panose="020B0604020202020204" pitchFamily="34" charset="0"/>
-              </a:rPr>
-              <a:t>6. VISUALIZACIÓN</a:t>
-            </a:r>
-            <a:endParaRPr lang="es-PE" b="1" dirty="0">
-              <a:latin typeface="Arial" panose="020B0604020202020204" pitchFamily="34" charset="0"/>
-              <a:cs typeface="Arial" panose="020B0604020202020204" pitchFamily="34" charset="0"/>
-            </a:endParaRPr>
-          </a:p>
-        </p:txBody>
-      </p:sp>
-      <p:sp>
-        <p:nvSpPr>
-          <p:cNvPr id="20" name="CuadroTexto 19">
-            <a:extLst>
-              <a:ext uri="{FF2B5EF4-FFF2-40B4-BE49-F238E27FC236}">
-                <a16:creationId xmlns:a16="http://schemas.microsoft.com/office/drawing/2014/main" id="{25AA96DE-E716-429D-9051-AFCBC16F1679}"/>
-              </a:ext>
-            </a:extLst>
-          </p:cNvPr>
-          <p:cNvSpPr txBox="1"/>
-          <p:nvPr/>
-        </p:nvSpPr>
-        <p:spPr>
-          <a:xfrm>
-            <a:off x="1852114" y="3274099"/>
-            <a:ext cx="7232253" cy="276999"/>
-          </a:xfrm>
-          <a:prstGeom prst="rect">
-            <a:avLst/>
-          </a:prstGeom>
-          <a:noFill/>
-        </p:spPr>
-        <p:txBody>
-          <a:bodyPr wrap="square" rtlCol="0">
-            <a:spAutoFit/>
-          </a:bodyPr>
-          <a:lstStyle/>
-          <a:p>
-            <a:pPr algn="ctr"/>
-            <a:r>
               <a:rPr lang="es-MX" sz="1200" b="1" dirty="0">
                 <a:latin typeface="Arial" panose="020B0604020202020204" pitchFamily="34" charset="0"/>
                 <a:cs typeface="Arial" panose="020B0604020202020204" pitchFamily="34" charset="0"/>
               </a:rPr>
-              <a:t>4. CREACIÓN DE LEXICÓN ESPECIALIZADO EN INDUSTRIA LIMEÑA (LSEPE)</a:t>
+              <a:t>4. CREACIÓN DE LEXICÓN ESPECIALIZADO EN INDUSTRIA LIMEÑA ASEGURADORA (LSEPE)</a:t>
             </a:r>
             <a:endParaRPr lang="es-PE" sz="1200" b="1" dirty="0">
               <a:latin typeface="Arial" panose="020B0604020202020204" pitchFamily="34" charset="0"/>
@@ -4455,8 +4455,8 @@
         </p:nvSpPr>
         <p:spPr>
           <a:xfrm>
-            <a:off x="1803390" y="5003312"/>
-            <a:ext cx="1279385" cy="288800"/>
+            <a:off x="1125877" y="4974377"/>
+            <a:ext cx="2509368" cy="288800"/>
           </a:xfrm>
           <a:prstGeom prst="roundRect">
             <a:avLst/>
@@ -4482,13 +4482,13 @@
           <a:p>
             <a:pPr algn="ctr"/>
             <a:r>
-              <a:rPr lang="es-MX" sz="1050" dirty="0">
+              <a:rPr lang="es-MX" sz="900" dirty="0">
                 <a:latin typeface="Arial" panose="020B0604020202020204" pitchFamily="34" charset="0"/>
                 <a:cs typeface="Arial" panose="020B0604020202020204" pitchFamily="34" charset="0"/>
               </a:rPr>
-              <a:t>LSEPE</a:t>
-            </a:r>
-            <a:endParaRPr lang="es-PE" sz="1050" dirty="0">
+              <a:t>Preprocesamiento</a:t>
+            </a:r>
+            <a:endParaRPr lang="es-PE" sz="900" dirty="0">
               <a:latin typeface="Arial" panose="020B0604020202020204" pitchFamily="34" charset="0"/>
               <a:cs typeface="Arial" panose="020B0604020202020204" pitchFamily="34" charset="0"/>
             </a:endParaRPr>
@@ -6392,6 +6392,546 @@
               <a:t>LEXICONES GENÉRICOS</a:t>
             </a:r>
             <a:endParaRPr lang="es-MX" sz="600" dirty="0">
+              <a:latin typeface="Arial" panose="020B0604020202020204" pitchFamily="34" charset="0"/>
+              <a:cs typeface="Arial" panose="020B0604020202020204" pitchFamily="34" charset="0"/>
+            </a:endParaRPr>
+          </a:p>
+        </p:txBody>
+      </p:sp>
+      <p:sp>
+        <p:nvSpPr>
+          <p:cNvPr id="21" name="Rectángulo: esquinas redondeadas 20">
+            <a:extLst>
+              <a:ext uri="{FF2B5EF4-FFF2-40B4-BE49-F238E27FC236}">
+                <a16:creationId xmlns:a16="http://schemas.microsoft.com/office/drawing/2014/main" id="{22A0C9BE-28F4-7320-BD9A-184DFE1D7F2C}"/>
+              </a:ext>
+            </a:extLst>
+          </p:cNvPr>
+          <p:cNvSpPr/>
+          <p:nvPr/>
+        </p:nvSpPr>
+        <p:spPr>
+          <a:xfrm>
+            <a:off x="1125877" y="5686884"/>
+            <a:ext cx="2500754" cy="288800"/>
+          </a:xfrm>
+          <a:prstGeom prst="roundRect">
+            <a:avLst/>
+          </a:prstGeom>
+        </p:spPr>
+        <p:style>
+          <a:lnRef idx="1">
+            <a:schemeClr val="accent4"/>
+          </a:lnRef>
+          <a:fillRef idx="2">
+            <a:schemeClr val="accent4"/>
+          </a:fillRef>
+          <a:effectRef idx="1">
+            <a:schemeClr val="accent4"/>
+          </a:effectRef>
+          <a:fontRef idx="minor">
+            <a:schemeClr val="dk1"/>
+          </a:fontRef>
+        </p:style>
+        <p:txBody>
+          <a:bodyPr rtlCol="0" anchor="ctr"/>
+          <a:lstStyle/>
+          <a:p>
+            <a:pPr algn="ctr"/>
+            <a:r>
+              <a:rPr lang="es-MX" sz="1050" dirty="0">
+                <a:latin typeface="Arial" panose="020B0604020202020204" pitchFamily="34" charset="0"/>
+                <a:cs typeface="Arial" panose="020B0604020202020204" pitchFamily="34" charset="0"/>
+              </a:rPr>
+              <a:t>Implementación de modelos</a:t>
+            </a:r>
+            <a:endParaRPr lang="es-PE" sz="1050" dirty="0">
+              <a:latin typeface="Arial" panose="020B0604020202020204" pitchFamily="34" charset="0"/>
+              <a:cs typeface="Arial" panose="020B0604020202020204" pitchFamily="34" charset="0"/>
+            </a:endParaRPr>
+          </a:p>
+        </p:txBody>
+      </p:sp>
+      <p:sp>
+        <p:nvSpPr>
+          <p:cNvPr id="23" name="Rectángulo: esquinas redondeadas 22">
+            <a:extLst>
+              <a:ext uri="{FF2B5EF4-FFF2-40B4-BE49-F238E27FC236}">
+                <a16:creationId xmlns:a16="http://schemas.microsoft.com/office/drawing/2014/main" id="{BC908378-C083-F25B-25C0-312461C05D4F}"/>
+              </a:ext>
+            </a:extLst>
+          </p:cNvPr>
+          <p:cNvSpPr/>
+          <p:nvPr/>
+        </p:nvSpPr>
+        <p:spPr>
+          <a:xfrm>
+            <a:off x="1125877" y="5305151"/>
+            <a:ext cx="776574" cy="276999"/>
+          </a:xfrm>
+          <a:prstGeom prst="roundRect">
+            <a:avLst/>
+          </a:prstGeom>
+        </p:spPr>
+        <p:style>
+          <a:lnRef idx="1">
+            <a:schemeClr val="accent5"/>
+          </a:lnRef>
+          <a:fillRef idx="2">
+            <a:schemeClr val="accent5"/>
+          </a:fillRef>
+          <a:effectRef idx="1">
+            <a:schemeClr val="accent5"/>
+          </a:effectRef>
+          <a:fontRef idx="minor">
+            <a:schemeClr val="dk1"/>
+          </a:fontRef>
+        </p:style>
+        <p:txBody>
+          <a:bodyPr rtlCol="0" anchor="ctr"/>
+          <a:lstStyle/>
+          <a:p>
+            <a:pPr algn="ctr"/>
+            <a:r>
+              <a:rPr lang="es-MX" sz="700" dirty="0">
+                <a:latin typeface="Arial" panose="020B0604020202020204" pitchFamily="34" charset="0"/>
+                <a:cs typeface="Arial" panose="020B0604020202020204" pitchFamily="34" charset="0"/>
+              </a:rPr>
+              <a:t>Normalización</a:t>
+            </a:r>
+            <a:endParaRPr lang="es-PE" sz="700" dirty="0">
+              <a:latin typeface="Arial" panose="020B0604020202020204" pitchFamily="34" charset="0"/>
+              <a:cs typeface="Arial" panose="020B0604020202020204" pitchFamily="34" charset="0"/>
+            </a:endParaRPr>
+          </a:p>
+        </p:txBody>
+      </p:sp>
+      <p:sp>
+        <p:nvSpPr>
+          <p:cNvPr id="24" name="Rectángulo: esquinas redondeadas 23">
+            <a:extLst>
+              <a:ext uri="{FF2B5EF4-FFF2-40B4-BE49-F238E27FC236}">
+                <a16:creationId xmlns:a16="http://schemas.microsoft.com/office/drawing/2014/main" id="{39BAC366-7B1A-3FEC-D4C9-0470DAA990B9}"/>
+              </a:ext>
+            </a:extLst>
+          </p:cNvPr>
+          <p:cNvSpPr/>
+          <p:nvPr/>
+        </p:nvSpPr>
+        <p:spPr>
+          <a:xfrm>
+            <a:off x="1947847" y="5300176"/>
+            <a:ext cx="821165" cy="276999"/>
+          </a:xfrm>
+          <a:prstGeom prst="roundRect">
+            <a:avLst/>
+          </a:prstGeom>
+        </p:spPr>
+        <p:style>
+          <a:lnRef idx="1">
+            <a:schemeClr val="accent5"/>
+          </a:lnRef>
+          <a:fillRef idx="2">
+            <a:schemeClr val="accent5"/>
+          </a:fillRef>
+          <a:effectRef idx="1">
+            <a:schemeClr val="accent5"/>
+          </a:effectRef>
+          <a:fontRef idx="minor">
+            <a:schemeClr val="dk1"/>
+          </a:fontRef>
+        </p:style>
+        <p:txBody>
+          <a:bodyPr rtlCol="0" anchor="ctr"/>
+          <a:lstStyle/>
+          <a:p>
+            <a:pPr algn="ctr"/>
+            <a:r>
+              <a:rPr lang="es-MX" sz="700" dirty="0">
+                <a:latin typeface="Arial" panose="020B0604020202020204" pitchFamily="34" charset="0"/>
+                <a:cs typeface="Arial" panose="020B0604020202020204" pitchFamily="34" charset="0"/>
+              </a:rPr>
+              <a:t>Lematización</a:t>
+            </a:r>
+            <a:endParaRPr lang="es-PE" sz="700" dirty="0">
+              <a:latin typeface="Arial" panose="020B0604020202020204" pitchFamily="34" charset="0"/>
+              <a:cs typeface="Arial" panose="020B0604020202020204" pitchFamily="34" charset="0"/>
+            </a:endParaRPr>
+          </a:p>
+        </p:txBody>
+      </p:sp>
+      <p:sp>
+        <p:nvSpPr>
+          <p:cNvPr id="27" name="Rectángulo: esquinas redondeadas 26">
+            <a:extLst>
+              <a:ext uri="{FF2B5EF4-FFF2-40B4-BE49-F238E27FC236}">
+                <a16:creationId xmlns:a16="http://schemas.microsoft.com/office/drawing/2014/main" id="{73B54978-E6A8-3F26-7572-378F01C95450}"/>
+              </a:ext>
+            </a:extLst>
+          </p:cNvPr>
+          <p:cNvSpPr/>
+          <p:nvPr/>
+        </p:nvSpPr>
+        <p:spPr>
+          <a:xfrm>
+            <a:off x="2805466" y="5288207"/>
+            <a:ext cx="821165" cy="276999"/>
+          </a:xfrm>
+          <a:prstGeom prst="roundRect">
+            <a:avLst/>
+          </a:prstGeom>
+        </p:spPr>
+        <p:style>
+          <a:lnRef idx="1">
+            <a:schemeClr val="accent5"/>
+          </a:lnRef>
+          <a:fillRef idx="2">
+            <a:schemeClr val="accent5"/>
+          </a:fillRef>
+          <a:effectRef idx="1">
+            <a:schemeClr val="accent5"/>
+          </a:effectRef>
+          <a:fontRef idx="minor">
+            <a:schemeClr val="dk1"/>
+          </a:fontRef>
+        </p:style>
+        <p:txBody>
+          <a:bodyPr rtlCol="0" anchor="ctr"/>
+          <a:lstStyle/>
+          <a:p>
+            <a:pPr algn="ctr"/>
+            <a:r>
+              <a:rPr lang="es-MX" sz="700" dirty="0">
+                <a:latin typeface="Arial" panose="020B0604020202020204" pitchFamily="34" charset="0"/>
+                <a:cs typeface="Arial" panose="020B0604020202020204" pitchFamily="34" charset="0"/>
+              </a:rPr>
+              <a:t>Adaptaciones</a:t>
+            </a:r>
+            <a:endParaRPr lang="es-PE" sz="700" dirty="0">
+              <a:latin typeface="Arial" panose="020B0604020202020204" pitchFamily="34" charset="0"/>
+              <a:cs typeface="Arial" panose="020B0604020202020204" pitchFamily="34" charset="0"/>
+            </a:endParaRPr>
+          </a:p>
+        </p:txBody>
+      </p:sp>
+      <p:sp>
+        <p:nvSpPr>
+          <p:cNvPr id="30" name="Rectángulo: esquinas redondeadas 29">
+            <a:extLst>
+              <a:ext uri="{FF2B5EF4-FFF2-40B4-BE49-F238E27FC236}">
+                <a16:creationId xmlns:a16="http://schemas.microsoft.com/office/drawing/2014/main" id="{9781A3CB-5389-4569-FD7F-275BCAF14FBB}"/>
+              </a:ext>
+            </a:extLst>
+          </p:cNvPr>
+          <p:cNvSpPr/>
+          <p:nvPr/>
+        </p:nvSpPr>
+        <p:spPr>
+          <a:xfrm>
+            <a:off x="1161227" y="6066365"/>
+            <a:ext cx="776574" cy="276999"/>
+          </a:xfrm>
+          <a:prstGeom prst="roundRect">
+            <a:avLst/>
+          </a:prstGeom>
+        </p:spPr>
+        <p:style>
+          <a:lnRef idx="1">
+            <a:schemeClr val="accent5"/>
+          </a:lnRef>
+          <a:fillRef idx="2">
+            <a:schemeClr val="accent5"/>
+          </a:fillRef>
+          <a:effectRef idx="1">
+            <a:schemeClr val="accent5"/>
+          </a:effectRef>
+          <a:fontRef idx="minor">
+            <a:schemeClr val="dk1"/>
+          </a:fontRef>
+        </p:style>
+        <p:txBody>
+          <a:bodyPr rtlCol="0" anchor="ctr"/>
+          <a:lstStyle/>
+          <a:p>
+            <a:pPr algn="ctr"/>
+            <a:r>
+              <a:rPr lang="es-MX" sz="700" dirty="0">
+                <a:latin typeface="Arial" panose="020B0604020202020204" pitchFamily="34" charset="0"/>
+                <a:cs typeface="Arial" panose="020B0604020202020204" pitchFamily="34" charset="0"/>
+              </a:rPr>
+              <a:t>LSEPE</a:t>
+            </a:r>
+            <a:endParaRPr lang="es-PE" sz="700" dirty="0">
+              <a:latin typeface="Arial" panose="020B0604020202020204" pitchFamily="34" charset="0"/>
+              <a:cs typeface="Arial" panose="020B0604020202020204" pitchFamily="34" charset="0"/>
+            </a:endParaRPr>
+          </a:p>
+        </p:txBody>
+      </p:sp>
+      <p:sp>
+        <p:nvSpPr>
+          <p:cNvPr id="33" name="Rectángulo: esquinas redondeadas 32">
+            <a:extLst>
+              <a:ext uri="{FF2B5EF4-FFF2-40B4-BE49-F238E27FC236}">
+                <a16:creationId xmlns:a16="http://schemas.microsoft.com/office/drawing/2014/main" id="{6E710120-F473-524E-120A-BF4E6F86A48C}"/>
+              </a:ext>
+            </a:extLst>
+          </p:cNvPr>
+          <p:cNvSpPr/>
+          <p:nvPr/>
+        </p:nvSpPr>
+        <p:spPr>
+          <a:xfrm>
+            <a:off x="2035807" y="6059729"/>
+            <a:ext cx="776574" cy="276999"/>
+          </a:xfrm>
+          <a:prstGeom prst="roundRect">
+            <a:avLst/>
+          </a:prstGeom>
+        </p:spPr>
+        <p:style>
+          <a:lnRef idx="1">
+            <a:schemeClr val="accent5"/>
+          </a:lnRef>
+          <a:fillRef idx="2">
+            <a:schemeClr val="accent5"/>
+          </a:fillRef>
+          <a:effectRef idx="1">
+            <a:schemeClr val="accent5"/>
+          </a:effectRef>
+          <a:fontRef idx="minor">
+            <a:schemeClr val="dk1"/>
+          </a:fontRef>
+        </p:style>
+        <p:txBody>
+          <a:bodyPr rtlCol="0" anchor="ctr"/>
+          <a:lstStyle/>
+          <a:p>
+            <a:pPr algn="ctr"/>
+            <a:r>
+              <a:rPr lang="es-MX" sz="700" dirty="0">
+                <a:latin typeface="Arial" panose="020B0604020202020204" pitchFamily="34" charset="0"/>
+                <a:cs typeface="Arial" panose="020B0604020202020204" pitchFamily="34" charset="0"/>
+              </a:rPr>
+              <a:t>VADER</a:t>
+            </a:r>
+            <a:endParaRPr lang="es-PE" sz="700" dirty="0">
+              <a:latin typeface="Arial" panose="020B0604020202020204" pitchFamily="34" charset="0"/>
+              <a:cs typeface="Arial" panose="020B0604020202020204" pitchFamily="34" charset="0"/>
+            </a:endParaRPr>
+          </a:p>
+        </p:txBody>
+      </p:sp>
+      <p:sp>
+        <p:nvSpPr>
+          <p:cNvPr id="34" name="Rectángulo: esquinas redondeadas 33">
+            <a:extLst>
+              <a:ext uri="{FF2B5EF4-FFF2-40B4-BE49-F238E27FC236}">
+                <a16:creationId xmlns:a16="http://schemas.microsoft.com/office/drawing/2014/main" id="{586F8F94-06F9-F2C4-88DD-0CCE3ED99D86}"/>
+              </a:ext>
+            </a:extLst>
+          </p:cNvPr>
+          <p:cNvSpPr/>
+          <p:nvPr/>
+        </p:nvSpPr>
+        <p:spPr>
+          <a:xfrm>
+            <a:off x="2878177" y="6066365"/>
+            <a:ext cx="776574" cy="276999"/>
+          </a:xfrm>
+          <a:prstGeom prst="roundRect">
+            <a:avLst/>
+          </a:prstGeom>
+        </p:spPr>
+        <p:style>
+          <a:lnRef idx="1">
+            <a:schemeClr val="accent5"/>
+          </a:lnRef>
+          <a:fillRef idx="2">
+            <a:schemeClr val="accent5"/>
+          </a:fillRef>
+          <a:effectRef idx="1">
+            <a:schemeClr val="accent5"/>
+          </a:effectRef>
+          <a:fontRef idx="minor">
+            <a:schemeClr val="dk1"/>
+          </a:fontRef>
+        </p:style>
+        <p:txBody>
+          <a:bodyPr rtlCol="0" anchor="ctr"/>
+          <a:lstStyle/>
+          <a:p>
+            <a:pPr algn="ctr"/>
+            <a:r>
+              <a:rPr lang="es-MX" sz="700" dirty="0">
+                <a:latin typeface="Arial" panose="020B0604020202020204" pitchFamily="34" charset="0"/>
+                <a:cs typeface="Arial" panose="020B0604020202020204" pitchFamily="34" charset="0"/>
+              </a:rPr>
+              <a:t>NRC</a:t>
+            </a:r>
+            <a:endParaRPr lang="es-PE" sz="700" dirty="0">
+              <a:latin typeface="Arial" panose="020B0604020202020204" pitchFamily="34" charset="0"/>
+              <a:cs typeface="Arial" panose="020B0604020202020204" pitchFamily="34" charset="0"/>
+            </a:endParaRPr>
+          </a:p>
+        </p:txBody>
+      </p:sp>
+      <p:sp>
+        <p:nvSpPr>
+          <p:cNvPr id="35" name="Rectángulo: esquinas redondeadas 34">
+            <a:extLst>
+              <a:ext uri="{FF2B5EF4-FFF2-40B4-BE49-F238E27FC236}">
+                <a16:creationId xmlns:a16="http://schemas.microsoft.com/office/drawing/2014/main" id="{9910B613-20C8-A89E-BC9E-8213CA032CE9}"/>
+              </a:ext>
+            </a:extLst>
+          </p:cNvPr>
+          <p:cNvSpPr/>
+          <p:nvPr/>
+        </p:nvSpPr>
+        <p:spPr>
+          <a:xfrm>
+            <a:off x="1514164" y="6378384"/>
+            <a:ext cx="776574" cy="276999"/>
+          </a:xfrm>
+          <a:prstGeom prst="roundRect">
+            <a:avLst/>
+          </a:prstGeom>
+        </p:spPr>
+        <p:style>
+          <a:lnRef idx="1">
+            <a:schemeClr val="accent5"/>
+          </a:lnRef>
+          <a:fillRef idx="2">
+            <a:schemeClr val="accent5"/>
+          </a:fillRef>
+          <a:effectRef idx="1">
+            <a:schemeClr val="accent5"/>
+          </a:effectRef>
+          <a:fontRef idx="minor">
+            <a:schemeClr val="dk1"/>
+          </a:fontRef>
+        </p:style>
+        <p:txBody>
+          <a:bodyPr rtlCol="0" anchor="ctr"/>
+          <a:lstStyle/>
+          <a:p>
+            <a:pPr algn="ctr"/>
+            <a:r>
+              <a:rPr lang="es-MX" sz="700" dirty="0">
+                <a:latin typeface="Arial" panose="020B0604020202020204" pitchFamily="34" charset="0"/>
+                <a:cs typeface="Arial" panose="020B0604020202020204" pitchFamily="34" charset="0"/>
+              </a:rPr>
+              <a:t>BETO</a:t>
+            </a:r>
+            <a:endParaRPr lang="es-PE" sz="700" dirty="0">
+              <a:latin typeface="Arial" panose="020B0604020202020204" pitchFamily="34" charset="0"/>
+              <a:cs typeface="Arial" panose="020B0604020202020204" pitchFamily="34" charset="0"/>
+            </a:endParaRPr>
+          </a:p>
+        </p:txBody>
+      </p:sp>
+      <p:sp>
+        <p:nvSpPr>
+          <p:cNvPr id="43" name="Rectángulo: esquinas redondeadas 42">
+            <a:extLst>
+              <a:ext uri="{FF2B5EF4-FFF2-40B4-BE49-F238E27FC236}">
+                <a16:creationId xmlns:a16="http://schemas.microsoft.com/office/drawing/2014/main" id="{F2E77F4F-17DC-EC29-186E-56D6532FA0A6}"/>
+              </a:ext>
+            </a:extLst>
+          </p:cNvPr>
+          <p:cNvSpPr/>
+          <p:nvPr/>
+        </p:nvSpPr>
+        <p:spPr>
+          <a:xfrm>
+            <a:off x="2391884" y="6372712"/>
+            <a:ext cx="776574" cy="276999"/>
+          </a:xfrm>
+          <a:prstGeom prst="roundRect">
+            <a:avLst/>
+          </a:prstGeom>
+        </p:spPr>
+        <p:style>
+          <a:lnRef idx="1">
+            <a:schemeClr val="accent5"/>
+          </a:lnRef>
+          <a:fillRef idx="2">
+            <a:schemeClr val="accent5"/>
+          </a:fillRef>
+          <a:effectRef idx="1">
+            <a:schemeClr val="accent5"/>
+          </a:effectRef>
+          <a:fontRef idx="minor">
+            <a:schemeClr val="dk1"/>
+          </a:fontRef>
+        </p:style>
+        <p:txBody>
+          <a:bodyPr rtlCol="0" anchor="ctr"/>
+          <a:lstStyle/>
+          <a:p>
+            <a:pPr algn="ctr"/>
+            <a:r>
+              <a:rPr lang="es-MX" sz="700" dirty="0">
+                <a:latin typeface="Arial" panose="020B0604020202020204" pitchFamily="34" charset="0"/>
+                <a:cs typeface="Arial" panose="020B0604020202020204" pitchFamily="34" charset="0"/>
+              </a:rPr>
+              <a:t>MACHINE LEARNING</a:t>
+            </a:r>
+            <a:endParaRPr lang="es-PE" sz="700" dirty="0">
+              <a:latin typeface="Arial" panose="020B0604020202020204" pitchFamily="34" charset="0"/>
+              <a:cs typeface="Arial" panose="020B0604020202020204" pitchFamily="34" charset="0"/>
+            </a:endParaRPr>
+          </a:p>
+        </p:txBody>
+      </p:sp>
+      <p:sp>
+        <p:nvSpPr>
+          <p:cNvPr id="45" name="Rectángulo: esquinas redondeadas 44">
+            <a:extLst>
+              <a:ext uri="{FF2B5EF4-FFF2-40B4-BE49-F238E27FC236}">
+                <a16:creationId xmlns:a16="http://schemas.microsoft.com/office/drawing/2014/main" id="{15A1B0EE-9EDE-ACA8-CD69-64D09FFC55D5}"/>
+              </a:ext>
+            </a:extLst>
+          </p:cNvPr>
+          <p:cNvSpPr/>
+          <p:nvPr/>
+        </p:nvSpPr>
+        <p:spPr>
+          <a:xfrm>
+            <a:off x="1924998" y="1527382"/>
+            <a:ext cx="774139" cy="238626"/>
+          </a:xfrm>
+          <a:prstGeom prst="roundRect">
+            <a:avLst/>
+          </a:prstGeom>
+        </p:spPr>
+        <p:style>
+          <a:lnRef idx="1">
+            <a:schemeClr val="accent6"/>
+          </a:lnRef>
+          <a:fillRef idx="2">
+            <a:schemeClr val="accent6"/>
+          </a:fillRef>
+          <a:effectRef idx="1">
+            <a:schemeClr val="accent6"/>
+          </a:effectRef>
+          <a:fontRef idx="minor">
+            <a:schemeClr val="dk1"/>
+          </a:fontRef>
+        </p:style>
+        <p:txBody>
+          <a:bodyPr rtlCol="0" anchor="ctr"/>
+          <a:lstStyle/>
+          <a:p>
+            <a:pPr algn="ctr"/>
+            <a:r>
+              <a:rPr lang="es-MX" sz="800" dirty="0">
+                <a:latin typeface="Arial" panose="020B0604020202020204" pitchFamily="34" charset="0"/>
+                <a:cs typeface="Arial" panose="020B0604020202020204" pitchFamily="34" charset="0"/>
+              </a:rPr>
+              <a:t>Google Maps</a:t>
+            </a:r>
+            <a:endParaRPr lang="es-PE" sz="800" dirty="0">
               <a:latin typeface="Arial" panose="020B0604020202020204" pitchFamily="34" charset="0"/>
               <a:cs typeface="Arial" panose="020B0604020202020204" pitchFamily="34" charset="0"/>
             </a:endParaRPr>
